--- a/Topic A Understanding Computers/A.1 Lesson - GitHub Repositories.pptx
+++ b/Topic A Understanding Computers/A.1 Lesson - GitHub Repositories.pptx
@@ -6,6 +6,11 @@
   </p:sldMasterIdLst>
   <p:sldIdLst>
     <p:sldId id="256" r:id="rId2"/>
+    <p:sldId id="257" r:id="rId3"/>
+    <p:sldId id="258" r:id="rId4"/>
+    <p:sldId id="259" r:id="rId5"/>
+    <p:sldId id="260" r:id="rId6"/>
+    <p:sldId id="261" r:id="rId7"/>
   </p:sldIdLst>
   <p:sldSz cx="9144000" cy="6858000" type="screen4x3"/>
   <p:notesSz cx="6858000" cy="9144000"/>
@@ -289,7 +294,7 @@
             <a:fld id="{1D8BD707-D9CF-40AE-B4C6-C98DA3205C09}" type="datetimeFigureOut">
               <a:rPr lang="en-US" smtClean="0"/>
               <a:pPr/>
-              <a:t>8/28/2019</a:t>
+              <a:t>8/30/2019</a:t>
             </a:fld>
             <a:endParaRPr lang="en-US"/>
           </a:p>
@@ -456,7 +461,7 @@
             <a:fld id="{1D8BD707-D9CF-40AE-B4C6-C98DA3205C09}" type="datetimeFigureOut">
               <a:rPr lang="en-US" smtClean="0"/>
               <a:pPr/>
-              <a:t>8/28/2019</a:t>
+              <a:t>8/30/2019</a:t>
             </a:fld>
             <a:endParaRPr lang="en-US"/>
           </a:p>
@@ -633,7 +638,7 @@
             <a:fld id="{1D8BD707-D9CF-40AE-B4C6-C98DA3205C09}" type="datetimeFigureOut">
               <a:rPr lang="en-US" smtClean="0"/>
               <a:pPr/>
-              <a:t>8/28/2019</a:t>
+              <a:t>8/30/2019</a:t>
             </a:fld>
             <a:endParaRPr lang="en-US"/>
           </a:p>
@@ -800,7 +805,7 @@
             <a:fld id="{1D8BD707-D9CF-40AE-B4C6-C98DA3205C09}" type="datetimeFigureOut">
               <a:rPr lang="en-US" smtClean="0"/>
               <a:pPr/>
-              <a:t>8/28/2019</a:t>
+              <a:t>8/30/2019</a:t>
             </a:fld>
             <a:endParaRPr lang="en-US"/>
           </a:p>
@@ -1043,7 +1048,7 @@
             <a:fld id="{1D8BD707-D9CF-40AE-B4C6-C98DA3205C09}" type="datetimeFigureOut">
               <a:rPr lang="en-US" smtClean="0"/>
               <a:pPr/>
-              <a:t>8/28/2019</a:t>
+              <a:t>8/30/2019</a:t>
             </a:fld>
             <a:endParaRPr lang="en-US"/>
           </a:p>
@@ -1328,7 +1333,7 @@
             <a:fld id="{1D8BD707-D9CF-40AE-B4C6-C98DA3205C09}" type="datetimeFigureOut">
               <a:rPr lang="en-US" smtClean="0"/>
               <a:pPr/>
-              <a:t>8/28/2019</a:t>
+              <a:t>8/30/2019</a:t>
             </a:fld>
             <a:endParaRPr lang="en-US"/>
           </a:p>
@@ -1747,7 +1752,7 @@
             <a:fld id="{1D8BD707-D9CF-40AE-B4C6-C98DA3205C09}" type="datetimeFigureOut">
               <a:rPr lang="en-US" smtClean="0"/>
               <a:pPr/>
-              <a:t>8/28/2019</a:t>
+              <a:t>8/30/2019</a:t>
             </a:fld>
             <a:endParaRPr lang="en-US"/>
           </a:p>
@@ -1862,7 +1867,7 @@
             <a:fld id="{1D8BD707-D9CF-40AE-B4C6-C98DA3205C09}" type="datetimeFigureOut">
               <a:rPr lang="en-US" smtClean="0"/>
               <a:pPr/>
-              <a:t>8/28/2019</a:t>
+              <a:t>8/30/2019</a:t>
             </a:fld>
             <a:endParaRPr lang="en-US"/>
           </a:p>
@@ -1954,7 +1959,7 @@
             <a:fld id="{1D8BD707-D9CF-40AE-B4C6-C98DA3205C09}" type="datetimeFigureOut">
               <a:rPr lang="en-US" smtClean="0"/>
               <a:pPr/>
-              <a:t>8/28/2019</a:t>
+              <a:t>8/30/2019</a:t>
             </a:fld>
             <a:endParaRPr lang="en-US"/>
           </a:p>
@@ -2228,7 +2233,7 @@
             <a:fld id="{1D8BD707-D9CF-40AE-B4C6-C98DA3205C09}" type="datetimeFigureOut">
               <a:rPr lang="en-US" smtClean="0"/>
               <a:pPr/>
-              <a:t>8/28/2019</a:t>
+              <a:t>8/30/2019</a:t>
             </a:fld>
             <a:endParaRPr lang="en-US"/>
           </a:p>
@@ -2478,7 +2483,7 @@
             <a:fld id="{1D8BD707-D9CF-40AE-B4C6-C98DA3205C09}" type="datetimeFigureOut">
               <a:rPr lang="en-US" smtClean="0"/>
               <a:pPr/>
-              <a:t>8/28/2019</a:t>
+              <a:t>8/30/2019</a:t>
             </a:fld>
             <a:endParaRPr lang="en-US"/>
           </a:p>
@@ -2688,7 +2693,7 @@
             <a:fld id="{1D8BD707-D9CF-40AE-B4C6-C98DA3205C09}" type="datetimeFigureOut">
               <a:rPr lang="en-US" smtClean="0"/>
               <a:pPr/>
-              <a:t>8/28/2019</a:t>
+              <a:t>8/30/2019</a:t>
             </a:fld>
             <a:endParaRPr lang="en-US"/>
           </a:p>
@@ -3075,8 +3080,12 @@
           <a:lstStyle/>
           <a:p>
             <a:r>
+              <a:rPr lang="en-US" dirty="0" err="1" smtClean="0"/>
+              <a:t>GitHub</a:t>
+            </a:r>
+            <a:r>
               <a:rPr lang="en-US" dirty="0" smtClean="0"/>
-              <a:t>Python Environment</a:t>
+              <a:t> Repositories</a:t>
             </a:r>
             <a:endParaRPr lang="en-US" dirty="0"/>
           </a:p>
@@ -3099,9 +3108,1177 @@
           <a:p>
             <a:r>
               <a:rPr lang="en-US" dirty="0" smtClean="0"/>
-              <a:t>Module B.1</a:t>
+              <a:t>Module </a:t>
+            </a:r>
+            <a:r>
+              <a:rPr lang="en-US" dirty="0" smtClean="0"/>
+              <a:t>A.1</a:t>
             </a:r>
             <a:endParaRPr lang="en-US" dirty="0"/>
+          </a:p>
+        </p:txBody>
+      </p:sp>
+    </p:spTree>
+  </p:cSld>
+  <p:clrMapOvr>
+    <a:masterClrMapping/>
+  </p:clrMapOvr>
+</p:sld>
+</file>
+
+<file path=ppt/slides/slide2.xml><?xml version="1.0" encoding="utf-8"?>
+<p:sld xmlns:a="http://schemas.openxmlformats.org/drawingml/2006/main" xmlns:r="http://schemas.openxmlformats.org/officeDocument/2006/relationships" xmlns:p="http://schemas.openxmlformats.org/presentationml/2006/main">
+  <p:cSld>
+    <p:spTree>
+      <p:nvGrpSpPr>
+        <p:cNvPr id="1" name=""/>
+        <p:cNvGrpSpPr/>
+        <p:nvPr/>
+      </p:nvGrpSpPr>
+      <p:grpSpPr>
+        <a:xfrm>
+          <a:off x="0" y="0"/>
+          <a:ext cx="0" cy="0"/>
+          <a:chOff x="0" y="0"/>
+          <a:chExt cx="0" cy="0"/>
+        </a:xfrm>
+      </p:grpSpPr>
+      <p:sp>
+        <p:nvSpPr>
+          <p:cNvPr id="3" name="Content Placeholder 2"/>
+          <p:cNvSpPr>
+            <a:spLocks noGrp="1"/>
+          </p:cNvSpPr>
+          <p:nvPr>
+            <p:ph idx="1"/>
+          </p:nvPr>
+        </p:nvSpPr>
+        <p:spPr/>
+        <p:txBody>
+          <a:bodyPr>
+            <a:normAutofit lnSpcReduction="10000"/>
+          </a:bodyPr>
+          <a:lstStyle/>
+          <a:p>
+            <a:r>
+              <a:rPr lang="en-US" sz="1800" dirty="0" smtClean="0"/>
+              <a:t>A code repository is similar to other cloud based file sharing services.</a:t>
+            </a:r>
+          </a:p>
+          <a:p>
+            <a:pPr lvl="1"/>
+            <a:r>
+              <a:rPr lang="en-US" sz="1800" dirty="0" smtClean="0"/>
+              <a:t>Google Classroom / Docs</a:t>
+            </a:r>
+          </a:p>
+          <a:p>
+            <a:pPr lvl="1"/>
+            <a:r>
+              <a:rPr lang="en-US" sz="1800" dirty="0" smtClean="0"/>
+              <a:t>D2L, </a:t>
+            </a:r>
+            <a:r>
+              <a:rPr lang="en-US" sz="1800" dirty="0" err="1" smtClean="0"/>
+              <a:t>MyClass</a:t>
+            </a:r>
+            <a:r>
+              <a:rPr lang="en-US" sz="1800" dirty="0" smtClean="0"/>
+              <a:t>, etc.</a:t>
+            </a:r>
+          </a:p>
+          <a:p>
+            <a:endParaRPr lang="en-US" sz="1800" dirty="0" smtClean="0"/>
+          </a:p>
+          <a:p>
+            <a:r>
+              <a:rPr lang="en-US" sz="1800" dirty="0" smtClean="0"/>
+              <a:t>A code repository is optimized for sharing and maintaining computer program code and collaborating on code development.</a:t>
+            </a:r>
+          </a:p>
+          <a:p>
+            <a:pPr lvl="1"/>
+            <a:r>
+              <a:rPr lang="en-US" sz="1800" dirty="0" smtClean="0"/>
+              <a:t>Files have version control (can be easily rolled back to older version)</a:t>
+            </a:r>
+          </a:p>
+          <a:p>
+            <a:pPr lvl="1"/>
+            <a:r>
+              <a:rPr lang="en-US" sz="1800" dirty="0" smtClean="0"/>
+              <a:t>Files are submitted using "commit update" (user id and timestamp)</a:t>
+            </a:r>
+          </a:p>
+          <a:p>
+            <a:pPr lvl="1"/>
+            <a:r>
+              <a:rPr lang="en-US" sz="1800" dirty="0" smtClean="0"/>
+              <a:t>File changes are therefore easily tracked and managed</a:t>
+            </a:r>
+          </a:p>
+          <a:p>
+            <a:pPr lvl="1"/>
+            <a:r>
+              <a:rPr lang="en-US" sz="1800" dirty="0" smtClean="0"/>
+              <a:t>Interface is designed for efficiency (no fancy display options or tools)</a:t>
+            </a:r>
+          </a:p>
+          <a:p>
+            <a:endParaRPr lang="en-US" sz="1800" dirty="0" smtClean="0"/>
+          </a:p>
+          <a:p>
+            <a:r>
+              <a:rPr lang="en-US" sz="1800" dirty="0" smtClean="0"/>
+              <a:t>Most file types can be stored (including Word and PowerPoint) but must be downloaded and viewed locally</a:t>
+            </a:r>
+          </a:p>
+          <a:p>
+            <a:pPr lvl="1"/>
+            <a:r>
+              <a:rPr lang="en-US" sz="1800" dirty="0" smtClean="0"/>
+              <a:t>A code repository lacks the on-line editing tools provided by other services</a:t>
+            </a:r>
+          </a:p>
+          <a:p>
+            <a:pPr lvl="1"/>
+            <a:r>
+              <a:rPr lang="en-US" sz="1800" dirty="0" smtClean="0"/>
+              <a:t>Does not include many of the business / education related collaboration tools</a:t>
+            </a:r>
+            <a:endParaRPr lang="en-US" sz="1800" dirty="0"/>
+          </a:p>
+        </p:txBody>
+      </p:sp>
+      <p:pic>
+        <p:nvPicPr>
+          <p:cNvPr id="2051" name="Picture 3"/>
+          <p:cNvPicPr>
+            <a:picLocks noChangeAspect="1" noChangeArrowheads="1"/>
+          </p:cNvPicPr>
+          <p:nvPr/>
+        </p:nvPicPr>
+        <p:blipFill>
+          <a:blip r:embed="rId2" cstate="print"/>
+          <a:srcRect/>
+          <a:stretch>
+            <a:fillRect/>
+          </a:stretch>
+        </p:blipFill>
+        <p:spPr bwMode="auto">
+          <a:xfrm>
+            <a:off x="5791200" y="1905000"/>
+            <a:ext cx="1023938" cy="1003973"/>
+          </a:xfrm>
+          <a:prstGeom prst="rect">
+            <a:avLst/>
+          </a:prstGeom>
+          <a:noFill/>
+          <a:ln w="9525">
+            <a:noFill/>
+            <a:miter lim="800000"/>
+            <a:headEnd/>
+            <a:tailEnd/>
+          </a:ln>
+        </p:spPr>
+      </p:pic>
+      <p:sp>
+        <p:nvSpPr>
+          <p:cNvPr id="2" name="Title 1"/>
+          <p:cNvSpPr>
+            <a:spLocks noGrp="1"/>
+          </p:cNvSpPr>
+          <p:nvPr>
+            <p:ph type="title"/>
+          </p:nvPr>
+        </p:nvSpPr>
+        <p:spPr/>
+        <p:txBody>
+          <a:bodyPr/>
+          <a:lstStyle/>
+          <a:p>
+            <a:r>
+              <a:rPr lang="en-US" dirty="0" smtClean="0"/>
+              <a:t>What Is A Code Repository?</a:t>
+            </a:r>
+            <a:endParaRPr lang="en-US" dirty="0"/>
+          </a:p>
+        </p:txBody>
+      </p:sp>
+      <p:pic>
+        <p:nvPicPr>
+          <p:cNvPr id="2052" name="Picture 4"/>
+          <p:cNvPicPr>
+            <a:picLocks noChangeAspect="1" noChangeArrowheads="1"/>
+          </p:cNvPicPr>
+          <p:nvPr/>
+        </p:nvPicPr>
+        <p:blipFill>
+          <a:blip r:embed="rId3" cstate="print"/>
+          <a:srcRect/>
+          <a:stretch>
+            <a:fillRect/>
+          </a:stretch>
+        </p:blipFill>
+        <p:spPr bwMode="auto">
+          <a:xfrm>
+            <a:off x="6934200" y="1981200"/>
+            <a:ext cx="990600" cy="619125"/>
+          </a:xfrm>
+          <a:prstGeom prst="rect">
+            <a:avLst/>
+          </a:prstGeom>
+          <a:noFill/>
+          <a:ln w="9525">
+            <a:noFill/>
+            <a:miter lim="800000"/>
+            <a:headEnd/>
+            <a:tailEnd/>
+          </a:ln>
+        </p:spPr>
+      </p:pic>
+    </p:spTree>
+  </p:cSld>
+  <p:clrMapOvr>
+    <a:masterClrMapping/>
+  </p:clrMapOvr>
+</p:sld>
+</file>
+
+<file path=ppt/slides/slide3.xml><?xml version="1.0" encoding="utf-8"?>
+<p:sld xmlns:a="http://schemas.openxmlformats.org/drawingml/2006/main" xmlns:r="http://schemas.openxmlformats.org/officeDocument/2006/relationships" xmlns:p="http://schemas.openxmlformats.org/presentationml/2006/main">
+  <p:cSld>
+    <p:spTree>
+      <p:nvGrpSpPr>
+        <p:cNvPr id="1" name=""/>
+        <p:cNvGrpSpPr/>
+        <p:nvPr/>
+      </p:nvGrpSpPr>
+      <p:grpSpPr>
+        <a:xfrm>
+          <a:off x="0" y="0"/>
+          <a:ext cx="0" cy="0"/>
+          <a:chOff x="0" y="0"/>
+          <a:chExt cx="0" cy="0"/>
+        </a:xfrm>
+      </p:grpSpPr>
+      <p:sp>
+        <p:nvSpPr>
+          <p:cNvPr id="2" name="Title 1"/>
+          <p:cNvSpPr>
+            <a:spLocks noGrp="1"/>
+          </p:cNvSpPr>
+          <p:nvPr>
+            <p:ph type="title"/>
+          </p:nvPr>
+        </p:nvSpPr>
+        <p:spPr/>
+        <p:txBody>
+          <a:bodyPr/>
+          <a:lstStyle/>
+          <a:p>
+            <a:r>
+              <a:rPr lang="en-US" dirty="0" smtClean="0"/>
+              <a:t>Why </a:t>
+            </a:r>
+            <a:r>
+              <a:rPr lang="en-US" dirty="0" err="1" smtClean="0"/>
+              <a:t>GitHub</a:t>
+            </a:r>
+            <a:r>
+              <a:rPr lang="en-US" dirty="0" smtClean="0"/>
+              <a:t>?</a:t>
+            </a:r>
+            <a:endParaRPr lang="en-US" dirty="0"/>
+          </a:p>
+        </p:txBody>
+      </p:sp>
+      <p:sp>
+        <p:nvSpPr>
+          <p:cNvPr id="3" name="Content Placeholder 2"/>
+          <p:cNvSpPr>
+            <a:spLocks noGrp="1"/>
+          </p:cNvSpPr>
+          <p:nvPr>
+            <p:ph idx="1"/>
+          </p:nvPr>
+        </p:nvSpPr>
+        <p:spPr>
+          <a:xfrm>
+            <a:off x="457200" y="1600200"/>
+            <a:ext cx="8229600" cy="4800600"/>
+          </a:xfrm>
+        </p:spPr>
+        <p:txBody>
+          <a:bodyPr>
+            <a:normAutofit/>
+          </a:bodyPr>
+          <a:lstStyle/>
+          <a:p>
+            <a:r>
+              <a:rPr lang="en-US" sz="1800" dirty="0" err="1" smtClean="0"/>
+              <a:t>GitHub</a:t>
+            </a:r>
+            <a:r>
+              <a:rPr lang="en-US" sz="1800" dirty="0" smtClean="0"/>
+              <a:t> is a professional code repository service.</a:t>
+            </a:r>
+          </a:p>
+          <a:p>
+            <a:pPr lvl="1"/>
+            <a:r>
+              <a:rPr lang="en-US" sz="1400" dirty="0" smtClean="0"/>
+              <a:t>Most popular service in the software  development community</a:t>
+            </a:r>
+          </a:p>
+          <a:p>
+            <a:pPr lvl="1"/>
+            <a:r>
+              <a:rPr lang="en-US" sz="1400" dirty="0" smtClean="0"/>
+              <a:t>Free to use and publically available  (</a:t>
+            </a:r>
+            <a:r>
+              <a:rPr lang="en-US" sz="1400" dirty="0" err="1" smtClean="0"/>
+              <a:t>e.g</a:t>
+            </a:r>
+            <a:r>
+              <a:rPr lang="en-US" sz="1400" dirty="0" smtClean="0"/>
+              <a:t> from Home or Library)</a:t>
+            </a:r>
+          </a:p>
+          <a:p>
+            <a:pPr lvl="1"/>
+            <a:r>
+              <a:rPr lang="en-US" sz="1400" dirty="0" smtClean="0"/>
+              <a:t>Used by many independent developers to release and distribute </a:t>
+            </a:r>
+            <a:br>
+              <a:rPr lang="en-US" sz="1400" dirty="0" smtClean="0"/>
+            </a:br>
+            <a:r>
+              <a:rPr lang="en-US" sz="1400" dirty="0" smtClean="0"/>
+              <a:t>their software</a:t>
+            </a:r>
+          </a:p>
+          <a:p>
+            <a:pPr lvl="1"/>
+            <a:r>
+              <a:rPr lang="en-US" sz="1400" dirty="0" smtClean="0"/>
+              <a:t>Many game map editors, game </a:t>
+            </a:r>
+            <a:r>
+              <a:rPr lang="en-US" sz="1400" dirty="0" err="1" smtClean="0"/>
+              <a:t>mods</a:t>
+            </a:r>
+            <a:r>
+              <a:rPr lang="en-US" sz="1400" dirty="0" smtClean="0"/>
+              <a:t>, and  patches are on </a:t>
+            </a:r>
+            <a:r>
+              <a:rPr lang="en-US" sz="1400" dirty="0" err="1" smtClean="0"/>
+              <a:t>GitHub</a:t>
+            </a:r>
+            <a:endParaRPr lang="en-US" sz="1400" dirty="0" smtClean="0"/>
+          </a:p>
+          <a:p>
+            <a:pPr lvl="1"/>
+            <a:r>
+              <a:rPr lang="en-US" sz="1400" dirty="0" smtClean="0"/>
+              <a:t>Many custom tools and utilities for Android / Windows are on </a:t>
+            </a:r>
+            <a:r>
+              <a:rPr lang="en-US" sz="1400" dirty="0" err="1" smtClean="0"/>
+              <a:t>GitHub</a:t>
+            </a:r>
+            <a:endParaRPr lang="en-US" sz="1400" dirty="0" smtClean="0"/>
+          </a:p>
+          <a:p>
+            <a:endParaRPr lang="en-US" sz="1800" dirty="0" smtClean="0"/>
+          </a:p>
+          <a:p>
+            <a:r>
+              <a:rPr lang="en-US" sz="1800" dirty="0" smtClean="0"/>
+              <a:t> I will share my </a:t>
+            </a:r>
+            <a:r>
+              <a:rPr lang="en-US" sz="1800" dirty="0" err="1" smtClean="0"/>
+              <a:t>GitHub</a:t>
+            </a:r>
+            <a:r>
+              <a:rPr lang="en-US" sz="1800" dirty="0" smtClean="0"/>
+              <a:t> repository with you to distribute course materials.</a:t>
+            </a:r>
+          </a:p>
+          <a:p>
+            <a:pPr lvl="1"/>
+            <a:r>
+              <a:rPr lang="en-US" sz="1400" dirty="0" smtClean="0"/>
+              <a:t>Bookmark: </a:t>
+            </a:r>
+            <a:r>
+              <a:rPr lang="en-US" sz="1400" dirty="0" smtClean="0">
+                <a:hlinkClick r:id="rId2"/>
+              </a:rPr>
+              <a:t>https://github.com/Greg5519/ICS2O0-B</a:t>
+            </a:r>
+            <a:endParaRPr lang="en-US" sz="1400" dirty="0" smtClean="0"/>
+          </a:p>
+          <a:p>
+            <a:endParaRPr lang="en-US" sz="1800" dirty="0" smtClean="0"/>
+          </a:p>
+          <a:p>
+            <a:r>
+              <a:rPr lang="en-US" sz="1800" dirty="0" smtClean="0"/>
+              <a:t>You will create your own independent </a:t>
+            </a:r>
+            <a:r>
+              <a:rPr lang="en-US" sz="1800" dirty="0" err="1" smtClean="0"/>
+              <a:t>GitHub</a:t>
+            </a:r>
+            <a:r>
+              <a:rPr lang="en-US" sz="1800" dirty="0" smtClean="0"/>
+              <a:t> repository to manage your coursework.</a:t>
+            </a:r>
+          </a:p>
+          <a:p>
+            <a:pPr lvl="1"/>
+            <a:r>
+              <a:rPr lang="en-US" sz="1400" dirty="0" smtClean="0"/>
+              <a:t>You will create your own account and repository with </a:t>
+            </a:r>
+            <a:r>
+              <a:rPr lang="en-US" sz="1400" dirty="0" err="1" smtClean="0"/>
+              <a:t>GitHub</a:t>
+            </a:r>
+            <a:endParaRPr lang="en-US" sz="1400" dirty="0" smtClean="0"/>
+          </a:p>
+          <a:p>
+            <a:pPr lvl="1"/>
+            <a:r>
+              <a:rPr lang="en-US" sz="1400" dirty="0" smtClean="0"/>
+              <a:t>You will share a link to your repository with me (send me an email)</a:t>
+            </a:r>
+          </a:p>
+          <a:p>
+            <a:pPr lvl="1"/>
+            <a:r>
+              <a:rPr lang="en-US" sz="1400" dirty="0" smtClean="0"/>
+              <a:t>You will upload work to your repository to be marked by me and given credit for the course</a:t>
+            </a:r>
+          </a:p>
+          <a:p>
+            <a:pPr lvl="1"/>
+            <a:r>
+              <a:rPr lang="en-US" sz="1400" dirty="0" smtClean="0"/>
+              <a:t>Returning Students… Create a new repository for this course</a:t>
+            </a:r>
+            <a:endParaRPr lang="en-US" sz="1400" dirty="0"/>
+          </a:p>
+        </p:txBody>
+      </p:sp>
+      <p:pic>
+        <p:nvPicPr>
+          <p:cNvPr id="1026" name="Picture 2"/>
+          <p:cNvPicPr>
+            <a:picLocks noChangeAspect="1" noChangeArrowheads="1"/>
+          </p:cNvPicPr>
+          <p:nvPr/>
+        </p:nvPicPr>
+        <p:blipFill>
+          <a:blip r:embed="rId3" cstate="print"/>
+          <a:srcRect/>
+          <a:stretch>
+            <a:fillRect/>
+          </a:stretch>
+        </p:blipFill>
+        <p:spPr bwMode="auto">
+          <a:xfrm>
+            <a:off x="6553200" y="1447800"/>
+            <a:ext cx="2224695" cy="1728788"/>
+          </a:xfrm>
+          <a:prstGeom prst="rect">
+            <a:avLst/>
+          </a:prstGeom>
+          <a:noFill/>
+          <a:ln w="9525">
+            <a:noFill/>
+            <a:miter lim="800000"/>
+            <a:headEnd/>
+            <a:tailEnd/>
+          </a:ln>
+        </p:spPr>
+      </p:pic>
+    </p:spTree>
+  </p:cSld>
+  <p:clrMapOvr>
+    <a:masterClrMapping/>
+  </p:clrMapOvr>
+</p:sld>
+</file>
+
+<file path=ppt/slides/slide4.xml><?xml version="1.0" encoding="utf-8"?>
+<p:sld xmlns:a="http://schemas.openxmlformats.org/drawingml/2006/main" xmlns:r="http://schemas.openxmlformats.org/officeDocument/2006/relationships" xmlns:p="http://schemas.openxmlformats.org/presentationml/2006/main">
+  <p:cSld>
+    <p:spTree>
+      <p:nvGrpSpPr>
+        <p:cNvPr id="1" name=""/>
+        <p:cNvGrpSpPr/>
+        <p:nvPr/>
+      </p:nvGrpSpPr>
+      <p:grpSpPr>
+        <a:xfrm>
+          <a:off x="0" y="0"/>
+          <a:ext cx="0" cy="0"/>
+          <a:chOff x="0" y="0"/>
+          <a:chExt cx="0" cy="0"/>
+        </a:xfrm>
+      </p:grpSpPr>
+      <p:sp>
+        <p:nvSpPr>
+          <p:cNvPr id="2" name="Title 1"/>
+          <p:cNvSpPr>
+            <a:spLocks noGrp="1"/>
+          </p:cNvSpPr>
+          <p:nvPr>
+            <p:ph type="title"/>
+          </p:nvPr>
+        </p:nvSpPr>
+        <p:spPr/>
+        <p:txBody>
+          <a:bodyPr/>
+          <a:lstStyle/>
+          <a:p>
+            <a:r>
+              <a:rPr lang="en-US" dirty="0" smtClean="0"/>
+              <a:t>What Are Some Privacy Concerns?</a:t>
+            </a:r>
+            <a:endParaRPr lang="en-US" dirty="0"/>
+          </a:p>
+        </p:txBody>
+      </p:sp>
+      <p:sp>
+        <p:nvSpPr>
+          <p:cNvPr id="3" name="Content Placeholder 2"/>
+          <p:cNvSpPr>
+            <a:spLocks noGrp="1"/>
+          </p:cNvSpPr>
+          <p:nvPr>
+            <p:ph idx="1"/>
+          </p:nvPr>
+        </p:nvSpPr>
+        <p:spPr/>
+        <p:txBody>
+          <a:bodyPr>
+            <a:normAutofit lnSpcReduction="10000"/>
+          </a:bodyPr>
+          <a:lstStyle/>
+          <a:p>
+            <a:r>
+              <a:rPr lang="en-US" sz="1800" dirty="0" err="1" smtClean="0"/>
+              <a:t>GitHub</a:t>
+            </a:r>
+            <a:r>
+              <a:rPr lang="en-US" sz="1800" dirty="0" smtClean="0"/>
+              <a:t> is a publically accessible service.</a:t>
+            </a:r>
+          </a:p>
+          <a:p>
+            <a:pPr lvl="1"/>
+            <a:r>
+              <a:rPr lang="en-US" sz="1800" dirty="0" smtClean="0"/>
+              <a:t>Your account profile is visible to anyone on the web</a:t>
+            </a:r>
+          </a:p>
+          <a:p>
+            <a:pPr lvl="1"/>
+            <a:r>
+              <a:rPr lang="en-US" sz="1800" dirty="0" smtClean="0"/>
+              <a:t>Content you upload to your repository is visible to anyone on the web</a:t>
+            </a:r>
+          </a:p>
+          <a:p>
+            <a:pPr lvl="1"/>
+            <a:r>
+              <a:rPr lang="en-US" sz="1800" dirty="0" smtClean="0"/>
+              <a:t>Be Aware Of What You Share!</a:t>
+            </a:r>
+          </a:p>
+          <a:p>
+            <a:pPr lvl="1"/>
+            <a:endParaRPr lang="en-US" sz="1800" dirty="0" smtClean="0"/>
+          </a:p>
+          <a:p>
+            <a:r>
+              <a:rPr lang="en-US" sz="1800" dirty="0" smtClean="0"/>
+              <a:t>Guidelines you should follow when creating your student account:</a:t>
+            </a:r>
+          </a:p>
+          <a:p>
+            <a:pPr lvl="1"/>
+            <a:r>
+              <a:rPr lang="en-US" sz="1600" dirty="0" smtClean="0"/>
+              <a:t>You may (should) use your </a:t>
+            </a:r>
+            <a:br>
+              <a:rPr lang="en-US" sz="1600" dirty="0" smtClean="0"/>
+            </a:br>
+            <a:r>
+              <a:rPr lang="en-US" sz="1600" dirty="0" smtClean="0"/>
+              <a:t>@</a:t>
+            </a:r>
+            <a:r>
+              <a:rPr lang="en-US" sz="1600" dirty="0" err="1" smtClean="0"/>
+              <a:t>pdsb.net</a:t>
+            </a:r>
+            <a:r>
+              <a:rPr lang="en-US" sz="1600" dirty="0" smtClean="0"/>
+              <a:t>  email account</a:t>
+            </a:r>
+            <a:br>
+              <a:rPr lang="en-US" sz="1600" dirty="0" smtClean="0"/>
+            </a:br>
+            <a:r>
+              <a:rPr lang="en-US" sz="1600" dirty="0" smtClean="0"/>
+              <a:t>for contact information</a:t>
+            </a:r>
+          </a:p>
+          <a:p>
+            <a:pPr lvl="1"/>
+            <a:r>
+              <a:rPr lang="en-US" sz="1600" dirty="0" smtClean="0"/>
+              <a:t>You </a:t>
+            </a:r>
+            <a:r>
+              <a:rPr lang="en-US" sz="1600" dirty="0" smtClean="0"/>
+              <a:t>SHOULD NOT use </a:t>
+            </a:r>
+            <a:r>
+              <a:rPr lang="en-US" sz="1600" dirty="0" smtClean="0"/>
+              <a:t>your </a:t>
+            </a:r>
+            <a:br>
+              <a:rPr lang="en-US" sz="1600" dirty="0" smtClean="0"/>
+            </a:br>
+            <a:r>
+              <a:rPr lang="en-US" sz="1600" dirty="0" smtClean="0"/>
+              <a:t>@</a:t>
+            </a:r>
+            <a:r>
+              <a:rPr lang="en-US" sz="1600" dirty="0" err="1" smtClean="0"/>
+              <a:t>pdsb.net</a:t>
+            </a:r>
+            <a:r>
+              <a:rPr lang="en-US" sz="1600" dirty="0" smtClean="0"/>
+              <a:t>  email account</a:t>
+            </a:r>
+            <a:br>
+              <a:rPr lang="en-US" sz="1600" dirty="0" smtClean="0"/>
+            </a:br>
+            <a:r>
+              <a:rPr lang="en-US" sz="1600" dirty="0" smtClean="0"/>
+              <a:t>as a user ID</a:t>
+            </a:r>
+            <a:endParaRPr lang="en-US" sz="1600" dirty="0" smtClean="0"/>
+          </a:p>
+          <a:p>
+            <a:pPr lvl="1"/>
+            <a:r>
+              <a:rPr lang="en-US" sz="1600" dirty="0" smtClean="0"/>
+              <a:t>Use an ID that is somewhat "fake" </a:t>
+            </a:r>
+            <a:br>
+              <a:rPr lang="en-US" sz="1600" dirty="0" smtClean="0"/>
+            </a:br>
+            <a:r>
+              <a:rPr lang="en-US" sz="1600" dirty="0" smtClean="0"/>
+              <a:t>but that is meaningful for this course</a:t>
+            </a:r>
+          </a:p>
+          <a:p>
+            <a:pPr lvl="1"/>
+            <a:r>
+              <a:rPr lang="en-US" sz="1600" dirty="0" smtClean="0"/>
+              <a:t>Do not use your real (full)name</a:t>
+            </a:r>
+          </a:p>
+          <a:p>
+            <a:pPr lvl="1"/>
+            <a:r>
+              <a:rPr lang="en-US" sz="1600" dirty="0" smtClean="0"/>
+              <a:t>Do not share your birthday, address, etc.</a:t>
+            </a:r>
+          </a:p>
+          <a:p>
+            <a:endParaRPr lang="en-US" sz="1800" dirty="0" smtClean="0"/>
+          </a:p>
+          <a:p>
+            <a:pPr>
+              <a:buNone/>
+            </a:pPr>
+            <a:endParaRPr lang="en-US" sz="1800" dirty="0" smtClean="0"/>
+          </a:p>
+          <a:p>
+            <a:pPr lvl="1"/>
+            <a:endParaRPr lang="en-US" sz="1400" dirty="0"/>
+          </a:p>
+        </p:txBody>
+      </p:sp>
+      <p:pic>
+        <p:nvPicPr>
+          <p:cNvPr id="3074" name="Picture 2"/>
+          <p:cNvPicPr>
+            <a:picLocks noChangeAspect="1" noChangeArrowheads="1"/>
+          </p:cNvPicPr>
+          <p:nvPr/>
+        </p:nvPicPr>
+        <p:blipFill>
+          <a:blip r:embed="rId2" cstate="print"/>
+          <a:srcRect/>
+          <a:stretch>
+            <a:fillRect/>
+          </a:stretch>
+        </p:blipFill>
+        <p:spPr bwMode="auto">
+          <a:xfrm>
+            <a:off x="4800600" y="3810000"/>
+            <a:ext cx="4121860" cy="2324100"/>
+          </a:xfrm>
+          <a:prstGeom prst="rect">
+            <a:avLst/>
+          </a:prstGeom>
+          <a:noFill/>
+          <a:ln w="9525">
+            <a:noFill/>
+            <a:miter lim="800000"/>
+            <a:headEnd/>
+            <a:tailEnd/>
+          </a:ln>
+        </p:spPr>
+      </p:pic>
+    </p:spTree>
+  </p:cSld>
+  <p:clrMapOvr>
+    <a:masterClrMapping/>
+  </p:clrMapOvr>
+</p:sld>
+</file>
+
+<file path=ppt/slides/slide5.xml><?xml version="1.0" encoding="utf-8"?>
+<p:sld xmlns:a="http://schemas.openxmlformats.org/drawingml/2006/main" xmlns:r="http://schemas.openxmlformats.org/officeDocument/2006/relationships" xmlns:p="http://schemas.openxmlformats.org/presentationml/2006/main">
+  <p:cSld>
+    <p:spTree>
+      <p:nvGrpSpPr>
+        <p:cNvPr id="1" name=""/>
+        <p:cNvGrpSpPr/>
+        <p:nvPr/>
+      </p:nvGrpSpPr>
+      <p:grpSpPr>
+        <a:xfrm>
+          <a:off x="0" y="0"/>
+          <a:ext cx="0" cy="0"/>
+          <a:chOff x="0" y="0"/>
+          <a:chExt cx="0" cy="0"/>
+        </a:xfrm>
+      </p:grpSpPr>
+      <p:sp>
+        <p:nvSpPr>
+          <p:cNvPr id="2" name="Title 1"/>
+          <p:cNvSpPr>
+            <a:spLocks noGrp="1"/>
+          </p:cNvSpPr>
+          <p:nvPr>
+            <p:ph type="title"/>
+          </p:nvPr>
+        </p:nvSpPr>
+        <p:spPr/>
+        <p:txBody>
+          <a:bodyPr>
+            <a:normAutofit fontScale="90000"/>
+          </a:bodyPr>
+          <a:lstStyle/>
+          <a:p>
+            <a:r>
+              <a:rPr lang="en-US" dirty="0" smtClean="0"/>
+              <a:t>"Terms of Service" and "Privacy Policy"</a:t>
+            </a:r>
+            <a:endParaRPr lang="en-US" dirty="0"/>
+          </a:p>
+        </p:txBody>
+      </p:sp>
+      <p:sp>
+        <p:nvSpPr>
+          <p:cNvPr id="3" name="Content Placeholder 2"/>
+          <p:cNvSpPr>
+            <a:spLocks noGrp="1"/>
+          </p:cNvSpPr>
+          <p:nvPr>
+            <p:ph idx="1"/>
+          </p:nvPr>
+        </p:nvSpPr>
+        <p:spPr>
+          <a:xfrm>
+            <a:off x="457200" y="1600200"/>
+            <a:ext cx="8229600" cy="4953000"/>
+          </a:xfrm>
+        </p:spPr>
+        <p:txBody>
+          <a:bodyPr>
+            <a:normAutofit fontScale="92500" lnSpcReduction="10000"/>
+          </a:bodyPr>
+          <a:lstStyle/>
+          <a:p>
+            <a:r>
+              <a:rPr lang="en-US" sz="1800" dirty="0" smtClean="0"/>
+              <a:t>A Terms of Service Agreement (TOS)</a:t>
+            </a:r>
+          </a:p>
+          <a:p>
+            <a:pPr lvl="1"/>
+            <a:r>
+              <a:rPr lang="en-US" sz="1600" dirty="0" smtClean="0"/>
+              <a:t>Defines proper and expected use of the service</a:t>
+            </a:r>
+            <a:endParaRPr lang="en-US" sz="1600" dirty="0" smtClean="0"/>
+          </a:p>
+          <a:p>
+            <a:pPr lvl="1"/>
+            <a:r>
+              <a:rPr lang="en-US" sz="1600" dirty="0" smtClean="0"/>
+              <a:t>Defines what is misuse of the service</a:t>
+            </a:r>
+          </a:p>
+          <a:p>
+            <a:pPr lvl="1"/>
+            <a:r>
+              <a:rPr lang="en-US" sz="1600" dirty="0" smtClean="0"/>
+              <a:t>Outlines membership, subscription and payment details</a:t>
+            </a:r>
+          </a:p>
+          <a:p>
+            <a:pPr lvl="1"/>
+            <a:r>
+              <a:rPr lang="en-US" sz="1600" dirty="0" smtClean="0"/>
+              <a:t>Outlines the procedure for closing an account</a:t>
+            </a:r>
+          </a:p>
+          <a:p>
+            <a:pPr lvl="1"/>
+            <a:r>
+              <a:rPr lang="en-US" sz="1600" dirty="0" smtClean="0"/>
+              <a:t>Clarifies the legal liability and dispute resolution process</a:t>
+            </a:r>
+          </a:p>
+          <a:p>
+            <a:endParaRPr lang="en-US" sz="1800" dirty="0" smtClean="0"/>
+          </a:p>
+          <a:p>
+            <a:r>
+              <a:rPr lang="en-US" sz="1800" dirty="0" smtClean="0"/>
+              <a:t>A Privacy Policy</a:t>
+            </a:r>
+          </a:p>
+          <a:p>
+            <a:pPr lvl="1"/>
+            <a:r>
+              <a:rPr lang="en-US" sz="1600" dirty="0" smtClean="0"/>
+              <a:t>Discloses what personal information about you is collected </a:t>
+            </a:r>
+            <a:br>
+              <a:rPr lang="en-US" sz="1600" dirty="0" smtClean="0"/>
+            </a:br>
+            <a:r>
+              <a:rPr lang="en-US" sz="1600" dirty="0" smtClean="0"/>
+              <a:t>and stored</a:t>
+            </a:r>
+          </a:p>
+          <a:p>
+            <a:pPr lvl="1"/>
+            <a:r>
+              <a:rPr lang="en-US" sz="1600" dirty="0" smtClean="0"/>
+              <a:t>Outlines how and when your personal information is collected </a:t>
+            </a:r>
+          </a:p>
+          <a:p>
+            <a:pPr lvl="1"/>
+            <a:r>
+              <a:rPr lang="en-US" sz="1600" dirty="0" smtClean="0"/>
+              <a:t>Defines who your personal information is shared with</a:t>
+            </a:r>
+          </a:p>
+          <a:p>
+            <a:endParaRPr lang="en-US" sz="1800" dirty="0" smtClean="0"/>
+          </a:p>
+          <a:p>
+            <a:r>
+              <a:rPr lang="en-US" sz="1800" dirty="0" smtClean="0"/>
+              <a:t>The difference between a TOS and Privacy Policy</a:t>
+            </a:r>
+          </a:p>
+          <a:p>
+            <a:pPr lvl="1"/>
+            <a:r>
+              <a:rPr lang="en-US" sz="1600" dirty="0" smtClean="0"/>
+              <a:t>A TOS protects the company from you</a:t>
+            </a:r>
+          </a:p>
+          <a:p>
+            <a:pPr lvl="2"/>
+            <a:r>
+              <a:rPr lang="en-US" sz="1600" dirty="0" smtClean="0"/>
+              <a:t>Is not required by law but put in place for the benefit of the company</a:t>
+            </a:r>
+          </a:p>
+          <a:p>
+            <a:pPr lvl="1"/>
+            <a:r>
+              <a:rPr lang="en-US" sz="1600" dirty="0" smtClean="0"/>
+              <a:t>A Privacy Policy protects you from the company</a:t>
+            </a:r>
+          </a:p>
+          <a:p>
+            <a:pPr lvl="2"/>
+            <a:r>
+              <a:rPr lang="en-US" sz="1600" dirty="0" smtClean="0"/>
+              <a:t>Is required by law not because the company wants it</a:t>
+            </a:r>
+            <a:endParaRPr lang="en-US" sz="1100" dirty="0"/>
+          </a:p>
+        </p:txBody>
+      </p:sp>
+      <p:pic>
+        <p:nvPicPr>
+          <p:cNvPr id="4098" name="Picture 2"/>
+          <p:cNvPicPr>
+            <a:picLocks noChangeAspect="1" noChangeArrowheads="1"/>
+          </p:cNvPicPr>
+          <p:nvPr/>
+        </p:nvPicPr>
+        <p:blipFill>
+          <a:blip r:embed="rId2" cstate="print"/>
+          <a:srcRect/>
+          <a:stretch>
+            <a:fillRect/>
+          </a:stretch>
+        </p:blipFill>
+        <p:spPr bwMode="auto">
+          <a:xfrm>
+            <a:off x="6172200" y="1600200"/>
+            <a:ext cx="2682688" cy="1520190"/>
+          </a:xfrm>
+          <a:prstGeom prst="rect">
+            <a:avLst/>
+          </a:prstGeom>
+          <a:noFill/>
+          <a:ln w="9525">
+            <a:noFill/>
+            <a:miter lim="800000"/>
+            <a:headEnd/>
+            <a:tailEnd/>
+          </a:ln>
+        </p:spPr>
+      </p:pic>
+      <p:pic>
+        <p:nvPicPr>
+          <p:cNvPr id="4099" name="Picture 3"/>
+          <p:cNvPicPr>
+            <a:picLocks noChangeAspect="1" noChangeArrowheads="1"/>
+          </p:cNvPicPr>
+          <p:nvPr/>
+        </p:nvPicPr>
+        <p:blipFill>
+          <a:blip r:embed="rId3" cstate="print"/>
+          <a:srcRect/>
+          <a:stretch>
+            <a:fillRect/>
+          </a:stretch>
+        </p:blipFill>
+        <p:spPr bwMode="auto">
+          <a:xfrm>
+            <a:off x="6629400" y="3733800"/>
+            <a:ext cx="1947863" cy="1311165"/>
+          </a:xfrm>
+          <a:prstGeom prst="rect">
+            <a:avLst/>
+          </a:prstGeom>
+          <a:noFill/>
+          <a:ln w="9525">
+            <a:noFill/>
+            <a:miter lim="800000"/>
+            <a:headEnd/>
+            <a:tailEnd/>
+          </a:ln>
+        </p:spPr>
+      </p:pic>
+    </p:spTree>
+  </p:cSld>
+  <p:clrMapOvr>
+    <a:masterClrMapping/>
+  </p:clrMapOvr>
+</p:sld>
+</file>
+
+<file path=ppt/slides/slide6.xml><?xml version="1.0" encoding="utf-8"?>
+<p:sld xmlns:a="http://schemas.openxmlformats.org/drawingml/2006/main" xmlns:r="http://schemas.openxmlformats.org/officeDocument/2006/relationships" xmlns:p="http://schemas.openxmlformats.org/presentationml/2006/main">
+  <p:cSld>
+    <p:spTree>
+      <p:nvGrpSpPr>
+        <p:cNvPr id="1" name=""/>
+        <p:cNvGrpSpPr/>
+        <p:nvPr/>
+      </p:nvGrpSpPr>
+      <p:grpSpPr>
+        <a:xfrm>
+          <a:off x="0" y="0"/>
+          <a:ext cx="0" cy="0"/>
+          <a:chOff x="0" y="0"/>
+          <a:chExt cx="0" cy="0"/>
+        </a:xfrm>
+      </p:grpSpPr>
+      <p:sp>
+        <p:nvSpPr>
+          <p:cNvPr id="2" name="Title 1"/>
+          <p:cNvSpPr>
+            <a:spLocks noGrp="1"/>
+          </p:cNvSpPr>
+          <p:nvPr>
+            <p:ph type="title"/>
+          </p:nvPr>
+        </p:nvSpPr>
+        <p:spPr/>
+        <p:txBody>
+          <a:bodyPr/>
+          <a:lstStyle/>
+          <a:p>
+            <a:r>
+              <a:rPr lang="en-US" dirty="0" smtClean="0"/>
+              <a:t>Your Turn</a:t>
+            </a:r>
+            <a:endParaRPr lang="en-US" dirty="0"/>
+          </a:p>
+        </p:txBody>
+      </p:sp>
+      <p:sp>
+        <p:nvSpPr>
+          <p:cNvPr id="3" name="Content Placeholder 2"/>
+          <p:cNvSpPr>
+            <a:spLocks noGrp="1"/>
+          </p:cNvSpPr>
+          <p:nvPr>
+            <p:ph idx="1"/>
+          </p:nvPr>
+        </p:nvSpPr>
+        <p:spPr/>
+        <p:txBody>
+          <a:bodyPr>
+            <a:normAutofit fontScale="92500" lnSpcReduction="20000"/>
+          </a:bodyPr>
+          <a:lstStyle/>
+          <a:p>
+            <a:pPr marL="514350" indent="-514350">
+              <a:buFont typeface="+mj-lt"/>
+              <a:buAutoNum type="arabicPeriod"/>
+            </a:pPr>
+            <a:r>
+              <a:rPr lang="en-US" sz="2400" dirty="0" smtClean="0"/>
+              <a:t>Open your web browser to: </a:t>
+            </a:r>
+            <a:r>
+              <a:rPr lang="en-US" sz="2400" dirty="0" smtClean="0">
+                <a:hlinkClick r:id="rId2"/>
+              </a:rPr>
+              <a:t>github.com/Greg5519/ICS2O0-B</a:t>
+            </a:r>
+            <a:r>
+              <a:rPr lang="en-US" sz="2400" dirty="0" smtClean="0"/>
+              <a:t/>
+            </a:r>
+            <a:br>
+              <a:rPr lang="en-US" sz="2400" dirty="0" smtClean="0"/>
+            </a:br>
+            <a:endParaRPr lang="en-US" sz="2400" dirty="0" smtClean="0"/>
+          </a:p>
+          <a:p>
+            <a:pPr marL="514350" indent="-514350">
+              <a:buFont typeface="+mj-lt"/>
+              <a:buAutoNum type="arabicPeriod"/>
+            </a:pPr>
+            <a:r>
+              <a:rPr lang="en-US" sz="2400" dirty="0" smtClean="0"/>
+              <a:t>Bookmark this link as the "ICS2O0 Course Repository"</a:t>
+            </a:r>
+            <a:br>
+              <a:rPr lang="en-US" sz="2400" dirty="0" smtClean="0"/>
+            </a:br>
+            <a:endParaRPr lang="en-US" sz="2400" dirty="0" smtClean="0"/>
+          </a:p>
+          <a:p>
+            <a:pPr marL="514350" indent="-514350">
+              <a:buFont typeface="+mj-lt"/>
+              <a:buAutoNum type="arabicPeriod"/>
+            </a:pPr>
+            <a:r>
+              <a:rPr lang="en-US" sz="2400" dirty="0" smtClean="0"/>
+              <a:t>Open the "Topic A" folder and download </a:t>
+            </a:r>
+            <a:br>
+              <a:rPr lang="en-US" sz="2400" dirty="0" smtClean="0"/>
+            </a:br>
+            <a:r>
+              <a:rPr lang="en-US" sz="2400" dirty="0" smtClean="0"/>
+              <a:t>the "A.1 Student" File</a:t>
+            </a:r>
+            <a:br>
+              <a:rPr lang="en-US" sz="2400" dirty="0" smtClean="0"/>
+            </a:br>
+            <a:endParaRPr lang="en-US" sz="2400" dirty="0" smtClean="0"/>
+          </a:p>
+          <a:p>
+            <a:pPr marL="514350" indent="-514350">
+              <a:buFont typeface="+mj-lt"/>
+              <a:buAutoNum type="arabicPeriod"/>
+            </a:pPr>
+            <a:r>
+              <a:rPr lang="en-US" sz="2400" dirty="0" smtClean="0"/>
+              <a:t>Save the "A.1 Student" as your own copy in your documents folder on the school network.</a:t>
+            </a:r>
+          </a:p>
+          <a:p>
+            <a:pPr marL="514350" indent="-514350">
+              <a:buFont typeface="+mj-lt"/>
+              <a:buAutoNum type="arabicPeriod"/>
+            </a:pPr>
+            <a:endParaRPr lang="en-US" sz="2400" dirty="0" smtClean="0"/>
+          </a:p>
+          <a:p>
+            <a:pPr marL="514350" indent="-514350">
+              <a:buFont typeface="+mj-lt"/>
+              <a:buAutoNum type="arabicPeriod"/>
+            </a:pPr>
+            <a:r>
+              <a:rPr lang="en-US" sz="2400" dirty="0" smtClean="0"/>
+              <a:t>Open the file and start typing your answers to the questions starting below "Module Questions" (on page 3)</a:t>
+            </a:r>
+            <a:br>
+              <a:rPr lang="en-US" sz="2400" dirty="0" smtClean="0"/>
+            </a:br>
+            <a:endParaRPr lang="en-US" sz="2400" dirty="0" smtClean="0"/>
+          </a:p>
+          <a:p>
+            <a:pPr marL="514350" indent="-514350">
+              <a:buFont typeface="+mj-lt"/>
+              <a:buAutoNum type="arabicPeriod"/>
+            </a:pPr>
+            <a:r>
+              <a:rPr lang="en-US" sz="2400" dirty="0" smtClean="0"/>
+              <a:t>Save often to protect your work!</a:t>
+            </a:r>
+            <a:endParaRPr lang="en-US" sz="2800" dirty="0" smtClean="0"/>
+          </a:p>
+          <a:p>
+            <a:pPr lvl="2">
+              <a:buNone/>
+            </a:pPr>
+            <a:endParaRPr lang="en-US" dirty="0" smtClean="0"/>
           </a:p>
         </p:txBody>
       </p:sp>
